--- a/DOCUMENTATION/PPT FINAL EMPIRICAL FINANCE.pptx
+++ b/DOCUMENTATION/PPT FINAL EMPIRICAL FINANCE.pptx
@@ -5,27 +5,28 @@
     <p:sldMasterId id="2147483648" r:id="rId4"/>
   </p:sldMasterIdLst>
   <p:notesMasterIdLst>
-    <p:notesMasterId r:id="rId20"/>
+    <p:notesMasterId r:id="rId21"/>
   </p:notesMasterIdLst>
   <p:handoutMasterIdLst>
-    <p:handoutMasterId r:id="rId21"/>
+    <p:handoutMasterId r:id="rId22"/>
   </p:handoutMasterIdLst>
   <p:sldIdLst>
     <p:sldId id="256" r:id="rId5"/>
     <p:sldId id="301" r:id="rId6"/>
-    <p:sldId id="257" r:id="rId7"/>
-    <p:sldId id="304" r:id="rId8"/>
-    <p:sldId id="291" r:id="rId9"/>
-    <p:sldId id="297" r:id="rId10"/>
-    <p:sldId id="290" r:id="rId11"/>
-    <p:sldId id="294" r:id="rId12"/>
-    <p:sldId id="298" r:id="rId13"/>
-    <p:sldId id="302" r:id="rId14"/>
-    <p:sldId id="307" r:id="rId15"/>
-    <p:sldId id="292" r:id="rId16"/>
-    <p:sldId id="306" r:id="rId17"/>
-    <p:sldId id="305" r:id="rId18"/>
-    <p:sldId id="296" r:id="rId19"/>
+    <p:sldId id="309" r:id="rId7"/>
+    <p:sldId id="257" r:id="rId8"/>
+    <p:sldId id="304" r:id="rId9"/>
+    <p:sldId id="291" r:id="rId10"/>
+    <p:sldId id="297" r:id="rId11"/>
+    <p:sldId id="290" r:id="rId12"/>
+    <p:sldId id="294" r:id="rId13"/>
+    <p:sldId id="298" r:id="rId14"/>
+    <p:sldId id="302" r:id="rId15"/>
+    <p:sldId id="307" r:id="rId16"/>
+    <p:sldId id="292" r:id="rId17"/>
+    <p:sldId id="306" r:id="rId18"/>
+    <p:sldId id="308" r:id="rId19"/>
+    <p:sldId id="296" r:id="rId20"/>
   </p:sldIdLst>
   <p:sldSz cx="12192000" cy="6858000"/>
   <p:notesSz cx="6858000" cy="9144000"/>
@@ -803,6 +804,100 @@
   <p:cSld>
     <p:spTree>
       <p:nvGrpSpPr>
+        <p:cNvPr id="1" name=""/>
+        <p:cNvGrpSpPr/>
+        <p:nvPr/>
+      </p:nvGrpSpPr>
+      <p:grpSpPr>
+        <a:xfrm>
+          <a:off x="0" y="0"/>
+          <a:ext cx="0" cy="0"/>
+          <a:chOff x="0" y="0"/>
+          <a:chExt cx="0" cy="0"/>
+        </a:xfrm>
+      </p:grpSpPr>
+      <p:sp>
+        <p:nvSpPr>
+          <p:cNvPr id="2" name="Espace réservé de l’image des diapositives 1"/>
+          <p:cNvSpPr>
+            <a:spLocks noGrp="1" noRot="1" noChangeAspect="1"/>
+          </p:cNvSpPr>
+          <p:nvPr>
+            <p:ph type="sldImg"/>
+          </p:nvPr>
+        </p:nvSpPr>
+        <p:spPr/>
+      </p:sp>
+      <p:sp>
+        <p:nvSpPr>
+          <p:cNvPr id="3" name="Espace réservé des commentaires 2"/>
+          <p:cNvSpPr>
+            <a:spLocks noGrp="1"/>
+          </p:cNvSpPr>
+          <p:nvPr>
+            <p:ph type="body" idx="1"/>
+          </p:nvPr>
+        </p:nvSpPr>
+        <p:spPr/>
+        <p:txBody>
+          <a:bodyPr rtlCol="0"/>
+          <a:lstStyle>
+            <a:defPPr>
+              <a:defRPr lang="fr-FR"/>
+            </a:defPPr>
+          </a:lstStyle>
+          <a:p>
+            <a:pPr rtl="0"/>
+            <a:endParaRPr lang="fr-FR"/>
+          </a:p>
+        </p:txBody>
+      </p:sp>
+      <p:sp>
+        <p:nvSpPr>
+          <p:cNvPr id="4" name="Espace réservé du numéro de diapositive 3"/>
+          <p:cNvSpPr>
+            <a:spLocks noGrp="1"/>
+          </p:cNvSpPr>
+          <p:nvPr>
+            <p:ph type="sldNum" sz="quarter" idx="5"/>
+          </p:nvPr>
+        </p:nvSpPr>
+        <p:spPr/>
+        <p:txBody>
+          <a:bodyPr rtlCol="0"/>
+          <a:lstStyle>
+            <a:defPPr>
+              <a:defRPr lang="fr-FR"/>
+            </a:defPPr>
+          </a:lstStyle>
+          <a:p>
+            <a:pPr rtl="0"/>
+            <a:fld id="{F97DC217-DF71-1A49-B3EA-559F1F43B0FF}" type="slidenum">
+              <a:rPr lang="fr-FR" smtClean="0"/>
+              <a:t>10</a:t>
+            </a:fld>
+            <a:endParaRPr lang="fr-FR"/>
+          </a:p>
+        </p:txBody>
+      </p:sp>
+    </p:spTree>
+    <p:extLst>
+      <p:ext uri="{BB962C8B-B14F-4D97-AF65-F5344CB8AC3E}">
+        <p14:creationId xmlns:p14="http://schemas.microsoft.com/office/powerpoint/2010/main" val="965845358"/>
+      </p:ext>
+    </p:extLst>
+  </p:cSld>
+  <p:clrMapOvr>
+    <a:masterClrMapping/>
+  </p:clrMapOvr>
+</p:notes>
+</file>
+
+<file path=ppt/notesSlides/notesSlide11.xml><?xml version="1.0" encoding="utf-8"?>
+<p:notes xmlns:a="http://schemas.openxmlformats.org/drawingml/2006/main" xmlns:r="http://schemas.openxmlformats.org/officeDocument/2006/relationships" xmlns:p="http://schemas.openxmlformats.org/presentationml/2006/main">
+  <p:cSld>
+    <p:spTree>
+      <p:nvGrpSpPr>
         <p:cNvPr id="1" name="">
           <a:extLst>
             <a:ext uri="{FF2B5EF4-FFF2-40B4-BE49-F238E27FC236}">
@@ -897,7 +992,7 @@
             <a:pPr rtl="0"/>
             <a:fld id="{F97DC217-DF71-1A49-B3EA-559F1F43B0FF}" type="slidenum">
               <a:rPr lang="fr-FR" smtClean="0"/>
-              <a:t>10</a:t>
+              <a:t>11</a:t>
             </a:fld>
             <a:endParaRPr lang="fr-FR"/>
           </a:p>
@@ -907,100 +1002,6 @@
     <p:extLst>
       <p:ext uri="{BB962C8B-B14F-4D97-AF65-F5344CB8AC3E}">
         <p14:creationId xmlns:p14="http://schemas.microsoft.com/office/powerpoint/2010/main" val="2881270500"/>
-      </p:ext>
-    </p:extLst>
-  </p:cSld>
-  <p:clrMapOvr>
-    <a:masterClrMapping/>
-  </p:clrMapOvr>
-</p:notes>
-</file>
-
-<file path=ppt/notesSlides/notesSlide11.xml><?xml version="1.0" encoding="utf-8"?>
-<p:notes xmlns:a="http://schemas.openxmlformats.org/drawingml/2006/main" xmlns:r="http://schemas.openxmlformats.org/officeDocument/2006/relationships" xmlns:p="http://schemas.openxmlformats.org/presentationml/2006/main">
-  <p:cSld>
-    <p:spTree>
-      <p:nvGrpSpPr>
-        <p:cNvPr id="1" name=""/>
-        <p:cNvGrpSpPr/>
-        <p:nvPr/>
-      </p:nvGrpSpPr>
-      <p:grpSpPr>
-        <a:xfrm>
-          <a:off x="0" y="0"/>
-          <a:ext cx="0" cy="0"/>
-          <a:chOff x="0" y="0"/>
-          <a:chExt cx="0" cy="0"/>
-        </a:xfrm>
-      </p:grpSpPr>
-      <p:sp>
-        <p:nvSpPr>
-          <p:cNvPr id="2" name="Espace réservé de l’image des diapositives 1"/>
-          <p:cNvSpPr>
-            <a:spLocks noGrp="1" noRot="1" noChangeAspect="1"/>
-          </p:cNvSpPr>
-          <p:nvPr>
-            <p:ph type="sldImg"/>
-          </p:nvPr>
-        </p:nvSpPr>
-        <p:spPr/>
-      </p:sp>
-      <p:sp>
-        <p:nvSpPr>
-          <p:cNvPr id="3" name="Espace réservé des commentaires 2"/>
-          <p:cNvSpPr>
-            <a:spLocks noGrp="1"/>
-          </p:cNvSpPr>
-          <p:nvPr>
-            <p:ph type="body" idx="1"/>
-          </p:nvPr>
-        </p:nvSpPr>
-        <p:spPr/>
-        <p:txBody>
-          <a:bodyPr rtlCol="0"/>
-          <a:lstStyle>
-            <a:defPPr>
-              <a:defRPr lang="fr-FR"/>
-            </a:defPPr>
-          </a:lstStyle>
-          <a:p>
-            <a:pPr rtl="0"/>
-            <a:endParaRPr lang="fr-FR"/>
-          </a:p>
-        </p:txBody>
-      </p:sp>
-      <p:sp>
-        <p:nvSpPr>
-          <p:cNvPr id="4" name="Espace réservé du numéro de diapositive 3"/>
-          <p:cNvSpPr>
-            <a:spLocks noGrp="1"/>
-          </p:cNvSpPr>
-          <p:nvPr>
-            <p:ph type="sldNum" sz="quarter" idx="5"/>
-          </p:nvPr>
-        </p:nvSpPr>
-        <p:spPr/>
-        <p:txBody>
-          <a:bodyPr rtlCol="0"/>
-          <a:lstStyle>
-            <a:defPPr>
-              <a:defRPr lang="fr-FR"/>
-            </a:defPPr>
-          </a:lstStyle>
-          <a:p>
-            <a:pPr rtl="0"/>
-            <a:fld id="{F97DC217-DF71-1A49-B3EA-559F1F43B0FF}" type="slidenum">
-              <a:rPr lang="fr-FR" smtClean="0"/>
-              <a:t>12</a:t>
-            </a:fld>
-            <a:endParaRPr lang="fr-FR"/>
-          </a:p>
-        </p:txBody>
-      </p:sp>
-    </p:spTree>
-    <p:extLst>
-      <p:ext uri="{BB962C8B-B14F-4D97-AF65-F5344CB8AC3E}">
-        <p14:creationId xmlns:p14="http://schemas.microsoft.com/office/powerpoint/2010/main" val="1616857176"/>
       </p:ext>
     </p:extLst>
   </p:cSld>
@@ -1085,7 +1086,219 @@
             <a:pPr rtl="0"/>
             <a:fld id="{F97DC217-DF71-1A49-B3EA-559F1F43B0FF}" type="slidenum">
               <a:rPr lang="fr-FR" smtClean="0"/>
+              <a:t>13</a:t>
+            </a:fld>
+            <a:endParaRPr lang="fr-FR"/>
+          </a:p>
+        </p:txBody>
+      </p:sp>
+    </p:spTree>
+    <p:extLst>
+      <p:ext uri="{BB962C8B-B14F-4D97-AF65-F5344CB8AC3E}">
+        <p14:creationId xmlns:p14="http://schemas.microsoft.com/office/powerpoint/2010/main" val="1616857176"/>
+      </p:ext>
+    </p:extLst>
+  </p:cSld>
+  <p:clrMapOvr>
+    <a:masterClrMapping/>
+  </p:clrMapOvr>
+</p:notes>
+</file>
+
+<file path=ppt/notesSlides/notesSlide13.xml><?xml version="1.0" encoding="utf-8"?>
+<p:notes xmlns:a="http://schemas.openxmlformats.org/drawingml/2006/main" xmlns:r="http://schemas.openxmlformats.org/officeDocument/2006/relationships" xmlns:p="http://schemas.openxmlformats.org/presentationml/2006/main">
+  <p:cSld>
+    <p:spTree>
+      <p:nvGrpSpPr>
+        <p:cNvPr id="1" name="">
+          <a:extLst>
+            <a:ext uri="{FF2B5EF4-FFF2-40B4-BE49-F238E27FC236}">
+              <a16:creationId xmlns:a16="http://schemas.microsoft.com/office/drawing/2014/main" id="{4A53E61D-369A-0345-8766-30852F49C41E}"/>
+            </a:ext>
+          </a:extLst>
+        </p:cNvPr>
+        <p:cNvGrpSpPr/>
+        <p:nvPr/>
+      </p:nvGrpSpPr>
+      <p:grpSpPr>
+        <a:xfrm>
+          <a:off x="0" y="0"/>
+          <a:ext cx="0" cy="0"/>
+          <a:chOff x="0" y="0"/>
+          <a:chExt cx="0" cy="0"/>
+        </a:xfrm>
+      </p:grpSpPr>
+      <p:sp>
+        <p:nvSpPr>
+          <p:cNvPr id="2" name="Espace réservé de l’image des diapositives 1">
+            <a:extLst>
+              <a:ext uri="{FF2B5EF4-FFF2-40B4-BE49-F238E27FC236}">
+                <a16:creationId xmlns:a16="http://schemas.microsoft.com/office/drawing/2014/main" id="{C90FD9DD-8CEB-F505-B340-D4B42ECC750F}"/>
+              </a:ext>
+            </a:extLst>
+          </p:cNvPr>
+          <p:cNvSpPr>
+            <a:spLocks noGrp="1" noRot="1" noChangeAspect="1"/>
+          </p:cNvSpPr>
+          <p:nvPr>
+            <p:ph type="sldImg"/>
+          </p:nvPr>
+        </p:nvSpPr>
+        <p:spPr/>
+      </p:sp>
+      <p:sp>
+        <p:nvSpPr>
+          <p:cNvPr id="3" name="Espace réservé des commentaires 2">
+            <a:extLst>
+              <a:ext uri="{FF2B5EF4-FFF2-40B4-BE49-F238E27FC236}">
+                <a16:creationId xmlns:a16="http://schemas.microsoft.com/office/drawing/2014/main" id="{57712B9F-7FDA-4C99-D5FB-71162D1FB89A}"/>
+              </a:ext>
+            </a:extLst>
+          </p:cNvPr>
+          <p:cNvSpPr>
+            <a:spLocks noGrp="1"/>
+          </p:cNvSpPr>
+          <p:nvPr>
+            <p:ph type="body" idx="1"/>
+          </p:nvPr>
+        </p:nvSpPr>
+        <p:spPr/>
+        <p:txBody>
+          <a:bodyPr rtlCol="0"/>
+          <a:lstStyle>
+            <a:defPPr>
+              <a:defRPr lang="fr-FR"/>
+            </a:defPPr>
+          </a:lstStyle>
+          <a:p>
+            <a:pPr rtl="0"/>
+            <a:endParaRPr lang="fr-FR"/>
+          </a:p>
+        </p:txBody>
+      </p:sp>
+      <p:sp>
+        <p:nvSpPr>
+          <p:cNvPr id="4" name="Espace réservé du numéro de diapositive 3">
+            <a:extLst>
+              <a:ext uri="{FF2B5EF4-FFF2-40B4-BE49-F238E27FC236}">
+                <a16:creationId xmlns:a16="http://schemas.microsoft.com/office/drawing/2014/main" id="{8F730F45-78E4-2E99-A16E-E3759EE073EA}"/>
+              </a:ext>
+            </a:extLst>
+          </p:cNvPr>
+          <p:cNvSpPr>
+            <a:spLocks noGrp="1"/>
+          </p:cNvSpPr>
+          <p:nvPr>
+            <p:ph type="sldNum" sz="quarter" idx="5"/>
+          </p:nvPr>
+        </p:nvSpPr>
+        <p:spPr/>
+        <p:txBody>
+          <a:bodyPr rtlCol="0"/>
+          <a:lstStyle>
+            <a:defPPr>
+              <a:defRPr lang="fr-FR"/>
+            </a:defPPr>
+          </a:lstStyle>
+          <a:p>
+            <a:pPr rtl="0"/>
+            <a:fld id="{F97DC217-DF71-1A49-B3EA-559F1F43B0FF}" type="slidenum">
+              <a:rPr lang="fr-FR" smtClean="0"/>
               <a:t>15</a:t>
+            </a:fld>
+            <a:endParaRPr lang="fr-FR"/>
+          </a:p>
+        </p:txBody>
+      </p:sp>
+    </p:spTree>
+    <p:extLst>
+      <p:ext uri="{BB962C8B-B14F-4D97-AF65-F5344CB8AC3E}">
+        <p14:creationId xmlns:p14="http://schemas.microsoft.com/office/powerpoint/2010/main" val="2910248989"/>
+      </p:ext>
+    </p:extLst>
+  </p:cSld>
+  <p:clrMapOvr>
+    <a:masterClrMapping/>
+  </p:clrMapOvr>
+</p:notes>
+</file>
+
+<file path=ppt/notesSlides/notesSlide14.xml><?xml version="1.0" encoding="utf-8"?>
+<p:notes xmlns:a="http://schemas.openxmlformats.org/drawingml/2006/main" xmlns:r="http://schemas.openxmlformats.org/officeDocument/2006/relationships" xmlns:p="http://schemas.openxmlformats.org/presentationml/2006/main">
+  <p:cSld>
+    <p:spTree>
+      <p:nvGrpSpPr>
+        <p:cNvPr id="1" name=""/>
+        <p:cNvGrpSpPr/>
+        <p:nvPr/>
+      </p:nvGrpSpPr>
+      <p:grpSpPr>
+        <a:xfrm>
+          <a:off x="0" y="0"/>
+          <a:ext cx="0" cy="0"/>
+          <a:chOff x="0" y="0"/>
+          <a:chExt cx="0" cy="0"/>
+        </a:xfrm>
+      </p:grpSpPr>
+      <p:sp>
+        <p:nvSpPr>
+          <p:cNvPr id="2" name="Espace réservé de l’image des diapositives 1"/>
+          <p:cNvSpPr>
+            <a:spLocks noGrp="1" noRot="1" noChangeAspect="1"/>
+          </p:cNvSpPr>
+          <p:nvPr>
+            <p:ph type="sldImg"/>
+          </p:nvPr>
+        </p:nvSpPr>
+        <p:spPr/>
+      </p:sp>
+      <p:sp>
+        <p:nvSpPr>
+          <p:cNvPr id="3" name="Espace réservé des commentaires 2"/>
+          <p:cNvSpPr>
+            <a:spLocks noGrp="1"/>
+          </p:cNvSpPr>
+          <p:nvPr>
+            <p:ph type="body" idx="1"/>
+          </p:nvPr>
+        </p:nvSpPr>
+        <p:spPr/>
+        <p:txBody>
+          <a:bodyPr rtlCol="0"/>
+          <a:lstStyle>
+            <a:defPPr>
+              <a:defRPr lang="fr-FR"/>
+            </a:defPPr>
+          </a:lstStyle>
+          <a:p>
+            <a:pPr rtl="0"/>
+            <a:endParaRPr lang="fr-FR"/>
+          </a:p>
+        </p:txBody>
+      </p:sp>
+      <p:sp>
+        <p:nvSpPr>
+          <p:cNvPr id="4" name="Espace réservé du numéro de diapositive 3"/>
+          <p:cNvSpPr>
+            <a:spLocks noGrp="1"/>
+          </p:cNvSpPr>
+          <p:nvPr>
+            <p:ph type="sldNum" sz="quarter" idx="5"/>
+          </p:nvPr>
+        </p:nvSpPr>
+        <p:spPr/>
+        <p:txBody>
+          <a:bodyPr rtlCol="0"/>
+          <a:lstStyle>
+            <a:defPPr>
+              <a:defRPr lang="fr-FR"/>
+            </a:defPPr>
+          </a:lstStyle>
+          <a:p>
+            <a:pPr rtl="0"/>
+            <a:fld id="{F97DC217-DF71-1A49-B3EA-559F1F43B0FF}" type="slidenum">
+              <a:rPr lang="fr-FR" smtClean="0"/>
+              <a:t>16</a:t>
             </a:fld>
             <a:endParaRPr lang="fr-FR"/>
           </a:p>
@@ -1227,6 +1440,124 @@
   <p:cSld>
     <p:spTree>
       <p:nvGrpSpPr>
+        <p:cNvPr id="1" name="">
+          <a:extLst>
+            <a:ext uri="{FF2B5EF4-FFF2-40B4-BE49-F238E27FC236}">
+              <a16:creationId xmlns:a16="http://schemas.microsoft.com/office/drawing/2014/main" id="{1E3DA559-17D9-199F-2CCD-75062DF96901}"/>
+            </a:ext>
+          </a:extLst>
+        </p:cNvPr>
+        <p:cNvGrpSpPr/>
+        <p:nvPr/>
+      </p:nvGrpSpPr>
+      <p:grpSpPr>
+        <a:xfrm>
+          <a:off x="0" y="0"/>
+          <a:ext cx="0" cy="0"/>
+          <a:chOff x="0" y="0"/>
+          <a:chExt cx="0" cy="0"/>
+        </a:xfrm>
+      </p:grpSpPr>
+      <p:sp>
+        <p:nvSpPr>
+          <p:cNvPr id="2" name="Espace réservé de l’image des diapositives 1">
+            <a:extLst>
+              <a:ext uri="{FF2B5EF4-FFF2-40B4-BE49-F238E27FC236}">
+                <a16:creationId xmlns:a16="http://schemas.microsoft.com/office/drawing/2014/main" id="{801F6561-FEFA-27A0-F3C5-1697D982DF61}"/>
+              </a:ext>
+            </a:extLst>
+          </p:cNvPr>
+          <p:cNvSpPr>
+            <a:spLocks noGrp="1" noRot="1" noChangeAspect="1"/>
+          </p:cNvSpPr>
+          <p:nvPr>
+            <p:ph type="sldImg"/>
+          </p:nvPr>
+        </p:nvSpPr>
+        <p:spPr/>
+      </p:sp>
+      <p:sp>
+        <p:nvSpPr>
+          <p:cNvPr id="3" name="Espace réservé des commentaires 2">
+            <a:extLst>
+              <a:ext uri="{FF2B5EF4-FFF2-40B4-BE49-F238E27FC236}">
+                <a16:creationId xmlns:a16="http://schemas.microsoft.com/office/drawing/2014/main" id="{1AD2B6B5-9180-249E-A0D8-B056FFC77DD2}"/>
+              </a:ext>
+            </a:extLst>
+          </p:cNvPr>
+          <p:cNvSpPr>
+            <a:spLocks noGrp="1"/>
+          </p:cNvSpPr>
+          <p:nvPr>
+            <p:ph type="body" idx="1"/>
+          </p:nvPr>
+        </p:nvSpPr>
+        <p:spPr/>
+        <p:txBody>
+          <a:bodyPr rtlCol="0"/>
+          <a:lstStyle>
+            <a:defPPr>
+              <a:defRPr lang="fr-FR"/>
+            </a:defPPr>
+          </a:lstStyle>
+          <a:p>
+            <a:pPr rtl="0"/>
+            <a:endParaRPr lang="fr-FR"/>
+          </a:p>
+        </p:txBody>
+      </p:sp>
+      <p:sp>
+        <p:nvSpPr>
+          <p:cNvPr id="4" name="Espace réservé du numéro de diapositive 3">
+            <a:extLst>
+              <a:ext uri="{FF2B5EF4-FFF2-40B4-BE49-F238E27FC236}">
+                <a16:creationId xmlns:a16="http://schemas.microsoft.com/office/drawing/2014/main" id="{01C2DCF3-ECF5-FFDE-2AC9-9BEC67850D04}"/>
+              </a:ext>
+            </a:extLst>
+          </p:cNvPr>
+          <p:cNvSpPr>
+            <a:spLocks noGrp="1"/>
+          </p:cNvSpPr>
+          <p:nvPr>
+            <p:ph type="sldNum" sz="quarter" idx="5"/>
+          </p:nvPr>
+        </p:nvSpPr>
+        <p:spPr/>
+        <p:txBody>
+          <a:bodyPr rtlCol="0"/>
+          <a:lstStyle>
+            <a:defPPr>
+              <a:defRPr lang="fr-FR"/>
+            </a:defPPr>
+          </a:lstStyle>
+          <a:p>
+            <a:pPr rtl="0"/>
+            <a:fld id="{F97DC217-DF71-1A49-B3EA-559F1F43B0FF}" type="slidenum">
+              <a:rPr lang="fr-FR" smtClean="0"/>
+              <a:t>3</a:t>
+            </a:fld>
+            <a:endParaRPr lang="fr-FR"/>
+          </a:p>
+        </p:txBody>
+      </p:sp>
+    </p:spTree>
+    <p:extLst>
+      <p:ext uri="{BB962C8B-B14F-4D97-AF65-F5344CB8AC3E}">
+        <p14:creationId xmlns:p14="http://schemas.microsoft.com/office/powerpoint/2010/main" val="2747628643"/>
+      </p:ext>
+    </p:extLst>
+  </p:cSld>
+  <p:clrMapOvr>
+    <a:masterClrMapping/>
+  </p:clrMapOvr>
+</p:notes>
+</file>
+
+<file path=ppt/notesSlides/notesSlide4.xml><?xml version="1.0" encoding="utf-8"?>
+<p:notes xmlns:a="http://schemas.openxmlformats.org/drawingml/2006/main" xmlns:r="http://schemas.openxmlformats.org/officeDocument/2006/relationships" xmlns:p="http://schemas.openxmlformats.org/presentationml/2006/main">
+  <p:cSld>
+    <p:spTree>
+      <p:nvGrpSpPr>
         <p:cNvPr id="1" name=""/>
         <p:cNvGrpSpPr/>
         <p:nvPr/>
@@ -1297,7 +1628,7 @@
             <a:pPr rtl="0"/>
             <a:fld id="{F97DC217-DF71-1A49-B3EA-559F1F43B0FF}" type="slidenum">
               <a:rPr lang="fr-FR" smtClean="0"/>
-              <a:t>3</a:t>
+              <a:t>4</a:t>
             </a:fld>
             <a:endParaRPr lang="fr-FR"/>
           </a:p>
@@ -1316,7 +1647,7 @@
 </p:notes>
 </file>
 
-<file path=ppt/notesSlides/notesSlide4.xml><?xml version="1.0" encoding="utf-8"?>
+<file path=ppt/notesSlides/notesSlide5.xml><?xml version="1.0" encoding="utf-8"?>
 <p:notes xmlns:a="http://schemas.openxmlformats.org/drawingml/2006/main" xmlns:r="http://schemas.openxmlformats.org/officeDocument/2006/relationships" xmlns:p="http://schemas.openxmlformats.org/presentationml/2006/main">
   <p:cSld>
     <p:spTree>
@@ -1415,7 +1746,7 @@
             <a:pPr rtl="0"/>
             <a:fld id="{F97DC217-DF71-1A49-B3EA-559F1F43B0FF}" type="slidenum">
               <a:rPr lang="fr-FR" smtClean="0"/>
-              <a:t>4</a:t>
+              <a:t>5</a:t>
             </a:fld>
             <a:endParaRPr lang="fr-FR"/>
           </a:p>
@@ -1425,100 +1756,6 @@
     <p:extLst>
       <p:ext uri="{BB962C8B-B14F-4D97-AF65-F5344CB8AC3E}">
         <p14:creationId xmlns:p14="http://schemas.microsoft.com/office/powerpoint/2010/main" val="2108842101"/>
-      </p:ext>
-    </p:extLst>
-  </p:cSld>
-  <p:clrMapOvr>
-    <a:masterClrMapping/>
-  </p:clrMapOvr>
-</p:notes>
-</file>
-
-<file path=ppt/notesSlides/notesSlide5.xml><?xml version="1.0" encoding="utf-8"?>
-<p:notes xmlns:a="http://schemas.openxmlformats.org/drawingml/2006/main" xmlns:r="http://schemas.openxmlformats.org/officeDocument/2006/relationships" xmlns:p="http://schemas.openxmlformats.org/presentationml/2006/main">
-  <p:cSld>
-    <p:spTree>
-      <p:nvGrpSpPr>
-        <p:cNvPr id="1" name=""/>
-        <p:cNvGrpSpPr/>
-        <p:nvPr/>
-      </p:nvGrpSpPr>
-      <p:grpSpPr>
-        <a:xfrm>
-          <a:off x="0" y="0"/>
-          <a:ext cx="0" cy="0"/>
-          <a:chOff x="0" y="0"/>
-          <a:chExt cx="0" cy="0"/>
-        </a:xfrm>
-      </p:grpSpPr>
-      <p:sp>
-        <p:nvSpPr>
-          <p:cNvPr id="2" name="Espace réservé de l’image des diapositives 1"/>
-          <p:cNvSpPr>
-            <a:spLocks noGrp="1" noRot="1" noChangeAspect="1"/>
-          </p:cNvSpPr>
-          <p:nvPr>
-            <p:ph type="sldImg"/>
-          </p:nvPr>
-        </p:nvSpPr>
-        <p:spPr/>
-      </p:sp>
-      <p:sp>
-        <p:nvSpPr>
-          <p:cNvPr id="3" name="Espace réservé des commentaires 2"/>
-          <p:cNvSpPr>
-            <a:spLocks noGrp="1"/>
-          </p:cNvSpPr>
-          <p:nvPr>
-            <p:ph type="body" idx="1"/>
-          </p:nvPr>
-        </p:nvSpPr>
-        <p:spPr/>
-        <p:txBody>
-          <a:bodyPr rtlCol="0"/>
-          <a:lstStyle>
-            <a:defPPr>
-              <a:defRPr lang="fr-FR"/>
-            </a:defPPr>
-          </a:lstStyle>
-          <a:p>
-            <a:pPr rtl="0"/>
-            <a:endParaRPr lang="fr-FR"/>
-          </a:p>
-        </p:txBody>
-      </p:sp>
-      <p:sp>
-        <p:nvSpPr>
-          <p:cNvPr id="4" name="Espace réservé du numéro de diapositive 3"/>
-          <p:cNvSpPr>
-            <a:spLocks noGrp="1"/>
-          </p:cNvSpPr>
-          <p:nvPr>
-            <p:ph type="sldNum" sz="quarter" idx="5"/>
-          </p:nvPr>
-        </p:nvSpPr>
-        <p:spPr/>
-        <p:txBody>
-          <a:bodyPr rtlCol="0"/>
-          <a:lstStyle>
-            <a:defPPr>
-              <a:defRPr lang="fr-FR"/>
-            </a:defPPr>
-          </a:lstStyle>
-          <a:p>
-            <a:pPr rtl="0"/>
-            <a:fld id="{F97DC217-DF71-1A49-B3EA-559F1F43B0FF}" type="slidenum">
-              <a:rPr lang="fr-FR" smtClean="0"/>
-              <a:t>5</a:t>
-            </a:fld>
-            <a:endParaRPr lang="fr-FR"/>
-          </a:p>
-        </p:txBody>
-      </p:sp>
-    </p:spTree>
-    <p:extLst>
-      <p:ext uri="{BB962C8B-B14F-4D97-AF65-F5344CB8AC3E}">
-        <p14:creationId xmlns:p14="http://schemas.microsoft.com/office/powerpoint/2010/main" val="964844418"/>
       </p:ext>
     </p:extLst>
   </p:cSld>
@@ -1612,7 +1849,7 @@
     </p:spTree>
     <p:extLst>
       <p:ext uri="{BB962C8B-B14F-4D97-AF65-F5344CB8AC3E}">
-        <p14:creationId xmlns:p14="http://schemas.microsoft.com/office/powerpoint/2010/main" val="1425159299"/>
+        <p14:creationId xmlns:p14="http://schemas.microsoft.com/office/powerpoint/2010/main" val="964844418"/>
       </p:ext>
     </p:extLst>
   </p:cSld>
@@ -1706,7 +1943,7 @@
     </p:spTree>
     <p:extLst>
       <p:ext uri="{BB962C8B-B14F-4D97-AF65-F5344CB8AC3E}">
-        <p14:creationId xmlns:p14="http://schemas.microsoft.com/office/powerpoint/2010/main" val="1639086895"/>
+        <p14:creationId xmlns:p14="http://schemas.microsoft.com/office/powerpoint/2010/main" val="1425159299"/>
       </p:ext>
     </p:extLst>
   </p:cSld>
@@ -1800,7 +2037,7 @@
     </p:spTree>
     <p:extLst>
       <p:ext uri="{BB962C8B-B14F-4D97-AF65-F5344CB8AC3E}">
-        <p14:creationId xmlns:p14="http://schemas.microsoft.com/office/powerpoint/2010/main" val="3319086727"/>
+        <p14:creationId xmlns:p14="http://schemas.microsoft.com/office/powerpoint/2010/main" val="1639086895"/>
       </p:ext>
     </p:extLst>
   </p:cSld>
@@ -1894,7 +2131,7 @@
     </p:spTree>
     <p:extLst>
       <p:ext uri="{BB962C8B-B14F-4D97-AF65-F5344CB8AC3E}">
-        <p14:creationId xmlns:p14="http://schemas.microsoft.com/office/powerpoint/2010/main" val="965845358"/>
+        <p14:creationId xmlns:p14="http://schemas.microsoft.com/office/powerpoint/2010/main" val="3319086727"/>
       </p:ext>
     </p:extLst>
   </p:cSld>
@@ -11883,6 +12120,338 @@
   <p:cSld>
     <p:spTree>
       <p:nvGrpSpPr>
+        <p:cNvPr id="1" name=""/>
+        <p:cNvGrpSpPr/>
+        <p:nvPr/>
+      </p:nvGrpSpPr>
+      <p:grpSpPr>
+        <a:xfrm>
+          <a:off x="0" y="0"/>
+          <a:ext cx="0" cy="0"/>
+          <a:chOff x="0" y="0"/>
+          <a:chExt cx="0" cy="0"/>
+        </a:xfrm>
+      </p:grpSpPr>
+      <p:graphicFrame>
+        <p:nvGraphicFramePr>
+          <p:cNvPr id="6" name="Espace réservé du contenu 5">
+            <a:extLst>
+              <a:ext uri="{FF2B5EF4-FFF2-40B4-BE49-F238E27FC236}">
+                <a16:creationId xmlns:a16="http://schemas.microsoft.com/office/drawing/2014/main" id="{988016A8-17EF-E9AA-4804-F98851C1C690}"/>
+              </a:ext>
+            </a:extLst>
+          </p:cNvPr>
+          <p:cNvGraphicFramePr>
+            <a:graphicFrameLocks noGrp="1"/>
+          </p:cNvGraphicFramePr>
+          <p:nvPr>
+            <p:ph idx="1"/>
+            <p:extLst>
+              <p:ext uri="{D42A27DB-BD31-4B8C-83A1-F6EECF244321}">
+                <p14:modId xmlns:p14="http://schemas.microsoft.com/office/powerpoint/2010/main" val="2973575481"/>
+              </p:ext>
+            </p:extLst>
+          </p:nvPr>
+        </p:nvGraphicFramePr>
+        <p:xfrm>
+          <a:off x="1166813" y="2084388"/>
+          <a:ext cx="9780585" cy="792480"/>
+        </p:xfrm>
+        <a:graphic>
+          <a:graphicData uri="http://schemas.openxmlformats.org/drawingml/2006/table">
+            <a:tbl>
+              <a:tblPr firstRow="1" bandRow="1">
+                <a:tableStyleId>{69012ECD-51FC-41F1-AA8D-1B2483CD663E}</a:tableStyleId>
+              </a:tblPr>
+              <a:tblGrid>
+                <a:gridCol w="3260195">
+                  <a:extLst>
+                    <a:ext uri="{9D8B030D-6E8A-4147-A177-3AD203B41FA5}">
+                      <a16:colId xmlns:a16="http://schemas.microsoft.com/office/drawing/2014/main" val="4137577063"/>
+                    </a:ext>
+                  </a:extLst>
+                </a:gridCol>
+                <a:gridCol w="3260195">
+                  <a:extLst>
+                    <a:ext uri="{9D8B030D-6E8A-4147-A177-3AD203B41FA5}">
+                      <a16:colId xmlns:a16="http://schemas.microsoft.com/office/drawing/2014/main" val="4153120886"/>
+                    </a:ext>
+                  </a:extLst>
+                </a:gridCol>
+                <a:gridCol w="3260195">
+                  <a:extLst>
+                    <a:ext uri="{9D8B030D-6E8A-4147-A177-3AD203B41FA5}">
+                      <a16:colId xmlns:a16="http://schemas.microsoft.com/office/drawing/2014/main" val="1527177611"/>
+                    </a:ext>
+                  </a:extLst>
+                </a:gridCol>
+              </a:tblGrid>
+              <a:tr h="370840">
+                <a:tc>
+                  <a:txBody>
+                    <a:bodyPr/>
+                    <a:lstStyle/>
+                    <a:p>
+                      <a:pPr algn="ctr"/>
+                      <a:r>
+                        <a:rPr lang="fr-FR" sz="2000" dirty="0">
+                          <a:latin typeface="Arial" panose="020B0604020202020204" pitchFamily="34" charset="0"/>
+                          <a:cs typeface="Arial" panose="020B0604020202020204" pitchFamily="34" charset="0"/>
+                        </a:rPr>
+                        <a:t>LVMH</a:t>
+                      </a:r>
+                    </a:p>
+                  </a:txBody>
+                  <a:tcPr/>
+                </a:tc>
+                <a:tc>
+                  <a:txBody>
+                    <a:bodyPr/>
+                    <a:lstStyle/>
+                    <a:p>
+                      <a:pPr algn="ctr"/>
+                      <a:r>
+                        <a:rPr lang="fr-FR" sz="2000">
+                          <a:latin typeface="Arial" panose="020B0604020202020204" pitchFamily="34" charset="0"/>
+                          <a:cs typeface="Arial" panose="020B0604020202020204" pitchFamily="34" charset="0"/>
+                        </a:rPr>
+                        <a:t>HERMES</a:t>
+                      </a:r>
+                    </a:p>
+                  </a:txBody>
+                  <a:tcPr/>
+                </a:tc>
+                <a:tc>
+                  <a:txBody>
+                    <a:bodyPr/>
+                    <a:lstStyle/>
+                    <a:p>
+                      <a:pPr algn="ctr"/>
+                      <a:r>
+                        <a:rPr lang="fr-FR" sz="2000">
+                          <a:latin typeface="Arial" panose="020B0604020202020204" pitchFamily="34" charset="0"/>
+                          <a:cs typeface="Arial" panose="020B0604020202020204" pitchFamily="34" charset="0"/>
+                        </a:rPr>
+                        <a:t>KERING </a:t>
+                      </a:r>
+                    </a:p>
+                  </a:txBody>
+                  <a:tcPr/>
+                </a:tc>
+                <a:extLst>
+                  <a:ext uri="{0D108BD9-81ED-4DB2-BD59-A6C34878D82A}">
+                    <a16:rowId xmlns:a16="http://schemas.microsoft.com/office/drawing/2014/main" val="3250173160"/>
+                  </a:ext>
+                </a:extLst>
+              </a:tr>
+              <a:tr h="370840">
+                <a:tc>
+                  <a:txBody>
+                    <a:bodyPr/>
+                    <a:lstStyle/>
+                    <a:p>
+                      <a:pPr algn="ctr"/>
+                      <a:r>
+                        <a:rPr lang="fr-FR" sz="2000" dirty="0">
+                          <a:latin typeface="Arial" panose="020B0604020202020204" pitchFamily="34" charset="0"/>
+                          <a:cs typeface="Arial" panose="020B0604020202020204" pitchFamily="34" charset="0"/>
+                        </a:rPr>
+                        <a:t>0.355439</a:t>
+                      </a:r>
+                    </a:p>
+                  </a:txBody>
+                  <a:tcPr/>
+                </a:tc>
+                <a:tc>
+                  <a:txBody>
+                    <a:bodyPr/>
+                    <a:lstStyle/>
+                    <a:p>
+                      <a:pPr algn="ctr"/>
+                      <a:r>
+                        <a:rPr lang="fr-FR" sz="2000" b="0" i="0" kern="1200" dirty="0">
+                          <a:solidFill>
+                            <a:schemeClr val="tx1"/>
+                          </a:solidFill>
+                          <a:effectLst/>
+                          <a:latin typeface="Arial" panose="020B0604020202020204" pitchFamily="34" charset="0"/>
+                          <a:ea typeface="+mn-ea"/>
+                          <a:cs typeface="Arial" panose="020B0604020202020204" pitchFamily="34" charset="0"/>
+                        </a:rPr>
+                        <a:t>0.933656</a:t>
+                      </a:r>
+                      <a:endParaRPr lang="fr-FR" sz="2000" dirty="0">
+                        <a:latin typeface="Arial" panose="020B0604020202020204" pitchFamily="34" charset="0"/>
+                        <a:cs typeface="Arial" panose="020B0604020202020204" pitchFamily="34" charset="0"/>
+                      </a:endParaRPr>
+                    </a:p>
+                  </a:txBody>
+                  <a:tcPr/>
+                </a:tc>
+                <a:tc>
+                  <a:txBody>
+                    <a:bodyPr/>
+                    <a:lstStyle/>
+                    <a:p>
+                      <a:pPr algn="ctr"/>
+                      <a:r>
+                        <a:rPr lang="fr-FR" sz="2000" b="0" i="0" kern="1200" dirty="0">
+                          <a:solidFill>
+                            <a:schemeClr val="tx1"/>
+                          </a:solidFill>
+                          <a:effectLst/>
+                          <a:latin typeface="Arial" panose="020B0604020202020204" pitchFamily="34" charset="0"/>
+                          <a:ea typeface="+mn-ea"/>
+                          <a:cs typeface="Arial" panose="020B0604020202020204" pitchFamily="34" charset="0"/>
+                        </a:rPr>
+                        <a:t>-0.431325</a:t>
+                      </a:r>
+                      <a:endParaRPr lang="fr-FR" sz="2400" dirty="0">
+                        <a:latin typeface="Arial" panose="020B0604020202020204" pitchFamily="34" charset="0"/>
+                        <a:cs typeface="Arial" panose="020B0604020202020204" pitchFamily="34" charset="0"/>
+                      </a:endParaRPr>
+                    </a:p>
+                  </a:txBody>
+                  <a:tcPr/>
+                </a:tc>
+                <a:extLst>
+                  <a:ext uri="{0D108BD9-81ED-4DB2-BD59-A6C34878D82A}">
+                    <a16:rowId xmlns:a16="http://schemas.microsoft.com/office/drawing/2014/main" val="3543688353"/>
+                  </a:ext>
+                </a:extLst>
+              </a:tr>
+            </a:tbl>
+          </a:graphicData>
+        </a:graphic>
+      </p:graphicFrame>
+      <p:sp>
+        <p:nvSpPr>
+          <p:cNvPr id="5" name="Titre 1">
+            <a:extLst>
+              <a:ext uri="{FF2B5EF4-FFF2-40B4-BE49-F238E27FC236}">
+                <a16:creationId xmlns:a16="http://schemas.microsoft.com/office/drawing/2014/main" id="{23103DAF-8A98-FA26-922B-07D82A2E8CE2}"/>
+              </a:ext>
+            </a:extLst>
+          </p:cNvPr>
+          <p:cNvSpPr txBox="1">
+            <a:spLocks/>
+          </p:cNvSpPr>
+          <p:nvPr/>
+        </p:nvSpPr>
+        <p:spPr>
+          <a:xfrm>
+            <a:off x="1167492" y="1148080"/>
+            <a:ext cx="10643508" cy="680720"/>
+          </a:xfrm>
+          <a:prstGeom prst="rect">
+            <a:avLst/>
+          </a:prstGeom>
+        </p:spPr>
+        <p:txBody>
+          <a:bodyPr vert="horz" lIns="91440" tIns="45720" rIns="91440" bIns="45720" rtlCol="0" anchor="b">
+            <a:noAutofit/>
+          </a:bodyPr>
+          <a:lstStyle>
+            <a:defPPr>
+              <a:defRPr lang="fr-FR"/>
+            </a:defPPr>
+            <a:lvl1pPr algn="l" defTabSz="914400" rtl="0" eaLnBrk="1" latinLnBrk="0" hangingPunct="1">
+              <a:lnSpc>
+                <a:spcPct val="80000"/>
+              </a:lnSpc>
+              <a:spcBef>
+                <a:spcPct val="0"/>
+              </a:spcBef>
+              <a:buNone/>
+              <a:defRPr lang="fr-FR" sz="4200" b="1" kern="1200">
+                <a:solidFill>
+                  <a:schemeClr val="tx1"/>
+                </a:solidFill>
+                <a:latin typeface="+mj-lt"/>
+                <a:ea typeface="+mj-ea"/>
+                <a:cs typeface="+mj-cs"/>
+              </a:defRPr>
+            </a:lvl1pPr>
+          </a:lstStyle>
+          <a:p>
+            <a:r>
+              <a:rPr lang="fr-FR" sz="3500" dirty="0">
+                <a:latin typeface="Arial" panose="020B0604020202020204" pitchFamily="34" charset="0"/>
+                <a:cs typeface="Arial" panose="020B0604020202020204" pitchFamily="34" charset="0"/>
+              </a:rPr>
+              <a:t>Ratio de Sharpe</a:t>
+            </a:r>
+          </a:p>
+        </p:txBody>
+      </p:sp>
+      <p:sp>
+        <p:nvSpPr>
+          <p:cNvPr id="9" name="ZoneTexte 8">
+            <a:extLst>
+              <a:ext uri="{FF2B5EF4-FFF2-40B4-BE49-F238E27FC236}">
+                <a16:creationId xmlns:a16="http://schemas.microsoft.com/office/drawing/2014/main" id="{8A4E057F-1C19-CFA3-444D-6893E22B9609}"/>
+              </a:ext>
+            </a:extLst>
+          </p:cNvPr>
+          <p:cNvSpPr txBox="1"/>
+          <p:nvPr/>
+        </p:nvSpPr>
+        <p:spPr>
+          <a:xfrm>
+            <a:off x="1166813" y="1628745"/>
+            <a:ext cx="2690608" cy="400110"/>
+          </a:xfrm>
+          <a:prstGeom prst="rect">
+            <a:avLst/>
+          </a:prstGeom>
+          <a:noFill/>
+        </p:spPr>
+        <p:txBody>
+          <a:bodyPr wrap="none" rtlCol="0">
+            <a:spAutoFit/>
+          </a:bodyPr>
+          <a:lstStyle/>
+          <a:p>
+            <a:r>
+              <a:rPr lang="fr-FR" sz="2000" dirty="0">
+                <a:latin typeface="Arial" panose="020B0604020202020204" pitchFamily="34" charset="0"/>
+                <a:cs typeface="Arial" panose="020B0604020202020204" pitchFamily="34" charset="0"/>
+              </a:rPr>
+              <a:t>Taux sans risque : 2%</a:t>
+            </a:r>
+          </a:p>
+        </p:txBody>
+      </p:sp>
+    </p:spTree>
+    <p:extLst>
+      <p:ext uri="{BB962C8B-B14F-4D97-AF65-F5344CB8AC3E}">
+        <p14:creationId xmlns:p14="http://schemas.microsoft.com/office/powerpoint/2010/main" val="1678163377"/>
+      </p:ext>
+    </p:extLst>
+  </p:cSld>
+  <p:clrMapOvr>
+    <a:masterClrMapping/>
+  </p:clrMapOvr>
+  <mc:AlternateContent xmlns:mc="http://schemas.openxmlformats.org/markup-compatibility/2006" xmlns:p14="http://schemas.microsoft.com/office/powerpoint/2010/main">
+    <mc:Choice Requires="p14">
+      <p:transition spd="slow" p14:dur="2000">
+        <p14:reveal/>
+      </p:transition>
+    </mc:Choice>
+    <mc:Fallback xmlns="">
+      <p:transition spd="slow">
+        <p:fade/>
+      </p:transition>
+    </mc:Fallback>
+  </mc:AlternateContent>
+</p:sld>
+</file>
+
+<file path=ppt/slides/slide11.xml><?xml version="1.0" encoding="utf-8"?>
+<p:sld xmlns:a="http://schemas.openxmlformats.org/drawingml/2006/main" xmlns:r="http://schemas.openxmlformats.org/officeDocument/2006/relationships" xmlns:p="http://schemas.openxmlformats.org/presentationml/2006/main">
+  <p:cSld>
+    <p:spTree>
+      <p:nvGrpSpPr>
         <p:cNvPr id="1" name="">
           <a:extLst>
             <a:ext uri="{FF2B5EF4-FFF2-40B4-BE49-F238E27FC236}">
@@ -12417,7 +12986,7 @@
 </p:sld>
 </file>
 
-<file path=ppt/slides/slide11.xml><?xml version="1.0" encoding="utf-8"?>
+<file path=ppt/slides/slide12.xml><?xml version="1.0" encoding="utf-8"?>
 <p:sld xmlns:a="http://schemas.openxmlformats.org/drawingml/2006/main" xmlns:r="http://schemas.openxmlformats.org/officeDocument/2006/relationships" xmlns:p="http://schemas.openxmlformats.org/presentationml/2006/main">
   <p:cSld>
     <p:spTree>
@@ -12765,7 +13334,7 @@
 </p:sld>
 </file>
 
-<file path=ppt/slides/slide12.xml><?xml version="1.0" encoding="utf-8"?>
+<file path=ppt/slides/slide13.xml><?xml version="1.0" encoding="utf-8"?>
 <p:sld xmlns:a="http://schemas.openxmlformats.org/drawingml/2006/main" xmlns:r="http://schemas.openxmlformats.org/officeDocument/2006/relationships" xmlns:p="http://schemas.openxmlformats.org/presentationml/2006/main">
   <p:cSld>
     <p:spTree>
@@ -12877,7 +13446,7 @@
 </p:sld>
 </file>
 
-<file path=ppt/slides/slide13.xml><?xml version="1.0" encoding="utf-8"?>
+<file path=ppt/slides/slide14.xml><?xml version="1.0" encoding="utf-8"?>
 <p:sld xmlns:a="http://schemas.openxmlformats.org/drawingml/2006/main" xmlns:r="http://schemas.openxmlformats.org/officeDocument/2006/relationships" xmlns:p="http://schemas.openxmlformats.org/presentationml/2006/main">
   <p:cSld>
     <p:spTree>
@@ -13155,12 +13724,18 @@
 </p:sld>
 </file>
 
-<file path=ppt/slides/slide14.xml><?xml version="1.0" encoding="utf-8"?>
+<file path=ppt/slides/slide15.xml><?xml version="1.0" encoding="utf-8"?>
 <p:sld xmlns:a="http://schemas.openxmlformats.org/drawingml/2006/main" xmlns:r="http://schemas.openxmlformats.org/officeDocument/2006/relationships" xmlns:p="http://schemas.openxmlformats.org/presentationml/2006/main">
   <p:cSld>
     <p:spTree>
       <p:nvGrpSpPr>
-        <p:cNvPr id="1" name=""/>
+        <p:cNvPr id="1" name="">
+          <a:extLst>
+            <a:ext uri="{FF2B5EF4-FFF2-40B4-BE49-F238E27FC236}">
+              <a16:creationId xmlns:a16="http://schemas.microsoft.com/office/drawing/2014/main" id="{41E94076-78DD-A58E-DB12-1E69F7AC2AF5}"/>
+            </a:ext>
+          </a:extLst>
+        </p:cNvPr>
         <p:cNvGrpSpPr/>
         <p:nvPr/>
       </p:nvGrpSpPr>
@@ -13172,42 +13747,53 @@
           <a:chExt cx="0" cy="0"/>
         </a:xfrm>
       </p:grpSpPr>
-      <p:pic>
-        <p:nvPicPr>
-          <p:cNvPr id="5" name="Image 4" descr="Une image contenant noir, obscurité&#10;&#10;Le contenu généré par l’IA peut être incorrect.">
+      <p:sp>
+        <p:nvSpPr>
+          <p:cNvPr id="2" name="Titre 1">
             <a:extLst>
               <a:ext uri="{FF2B5EF4-FFF2-40B4-BE49-F238E27FC236}">
-                <a16:creationId xmlns:a16="http://schemas.microsoft.com/office/drawing/2014/main" id="{3591DE44-59EE-2975-84BE-5EC1D7714199}"/>
+                <a16:creationId xmlns:a16="http://schemas.microsoft.com/office/drawing/2014/main" id="{A2EF3FF3-A9D2-223C-8E47-42DFE25816E6}"/>
               </a:ext>
             </a:extLst>
           </p:cNvPr>
-          <p:cNvPicPr>
-            <a:picLocks noChangeAspect="1"/>
-          </p:cNvPicPr>
-          <p:nvPr/>
-        </p:nvPicPr>
-        <p:blipFill>
-          <a:blip r:embed="rId2"/>
-          <a:stretch>
-            <a:fillRect/>
-          </a:stretch>
-        </p:blipFill>
+          <p:cNvSpPr>
+            <a:spLocks noGrp="1"/>
+          </p:cNvSpPr>
+          <p:nvPr>
+            <p:ph type="ctrTitle"/>
+          </p:nvPr>
+        </p:nvSpPr>
         <p:spPr>
           <a:xfrm>
-            <a:off x="4850422" y="3009173"/>
-            <a:ext cx="2491155" cy="721184"/>
+            <a:off x="383721" y="2630785"/>
+            <a:ext cx="7170963" cy="1596429"/>
           </a:xfrm>
-          <a:prstGeom prst="rect">
-            <a:avLst/>
-          </a:prstGeom>
         </p:spPr>
-      </p:pic>
+        <p:txBody>
+          <a:bodyPr rtlCol="0"/>
+          <a:lstStyle>
+            <a:defPPr>
+              <a:defRPr lang="fr-FR"/>
+            </a:defPPr>
+          </a:lstStyle>
+          <a:p>
+            <a:pPr rtl="0"/>
+            <a:r>
+              <a:rPr lang="fr-FR" dirty="0">
+                <a:latin typeface="Arial" panose="020B0604020202020204" pitchFamily="34" charset="0"/>
+                <a:cs typeface="Arial" panose="020B0604020202020204" pitchFamily="34" charset="0"/>
+              </a:rPr>
+              <a:t>Conclusion et Recommandations</a:t>
+            </a:r>
+          </a:p>
+        </p:txBody>
+      </p:sp>
       <p:pic>
         <p:nvPicPr>
-          <p:cNvPr id="7" name="Image 6" descr="Une image contenant Graphique, Police, texte, conception&#10;&#10;Le contenu généré par l’IA peut être incorrect.">
+          <p:cNvPr id="4" name="Image 3" descr="Une image contenant texte, Police, Graphique, graphisme&#10;&#10;Le contenu généré par l’IA peut être incorrect.">
             <a:extLst>
               <a:ext uri="{FF2B5EF4-FFF2-40B4-BE49-F238E27FC236}">
-                <a16:creationId xmlns:a16="http://schemas.microsoft.com/office/drawing/2014/main" id="{47026AA2-F689-AEB7-C36C-76441D3B477E}"/>
+                <a16:creationId xmlns:a16="http://schemas.microsoft.com/office/drawing/2014/main" id="{A7D1B5FF-3B71-01D5-4599-BF9DB7A995D3}"/>
               </a:ext>
             </a:extLst>
           </p:cNvPr>
@@ -13224,8 +13810,8 @@
         </p:blipFill>
         <p:spPr>
           <a:xfrm>
-            <a:off x="8529446" y="3009411"/>
-            <a:ext cx="2495062" cy="839177"/>
+            <a:off x="1271915" y="926753"/>
+            <a:ext cx="1704032" cy="1704032"/>
           </a:xfrm>
           <a:prstGeom prst="rect">
             <a:avLst/>
@@ -13234,10 +13820,10 @@
       </p:pic>
       <p:pic>
         <p:nvPicPr>
-          <p:cNvPr id="9" name="Image 8" descr="Une image contenant texte, Police, Graphique, graphisme&#10;&#10;Le contenu généré par l’IA peut être incorrect.">
+          <p:cNvPr id="5" name="Image 4" descr="Une image contenant noir, obscurité&#10;&#10;Le contenu généré par l’IA peut être incorrect.">
             <a:extLst>
               <a:ext uri="{FF2B5EF4-FFF2-40B4-BE49-F238E27FC236}">
-                <a16:creationId xmlns:a16="http://schemas.microsoft.com/office/drawing/2014/main" id="{4152F585-B7F4-0BF0-8E72-0F840ECFF6D6}"/>
+                <a16:creationId xmlns:a16="http://schemas.microsoft.com/office/drawing/2014/main" id="{5E26BACD-B8A4-FF7C-D0FF-1B2C2114A869}"/>
               </a:ext>
             </a:extLst>
           </p:cNvPr>
@@ -13254,91 +13840,61 @@
         </p:blipFill>
         <p:spPr>
           <a:xfrm>
-            <a:off x="1364829" y="2280137"/>
-            <a:ext cx="2297724" cy="2297724"/>
+            <a:off x="3602891" y="1418177"/>
+            <a:ext cx="2491155" cy="721184"/>
           </a:xfrm>
           <a:prstGeom prst="rect">
             <a:avLst/>
           </a:prstGeom>
         </p:spPr>
       </p:pic>
-      <p:sp>
-        <p:nvSpPr>
-          <p:cNvPr id="3" name="Titre 1">
+      <p:pic>
+        <p:nvPicPr>
+          <p:cNvPr id="6" name="Image 5" descr="Une image contenant Graphique, Police, texte, conception&#10;&#10;Le contenu généré par l’IA peut être incorrect.">
             <a:extLst>
               <a:ext uri="{FF2B5EF4-FFF2-40B4-BE49-F238E27FC236}">
-                <a16:creationId xmlns:a16="http://schemas.microsoft.com/office/drawing/2014/main" id="{629803DD-3465-0C1A-6B5C-CFFD3DBA214B}"/>
+                <a16:creationId xmlns:a16="http://schemas.microsoft.com/office/drawing/2014/main" id="{79D60E55-C95C-8E26-3832-C0298C73AB5D}"/>
               </a:ext>
             </a:extLst>
           </p:cNvPr>
-          <p:cNvSpPr txBox="1">
-            <a:spLocks/>
-          </p:cNvSpPr>
+          <p:cNvPicPr>
+            <a:picLocks noChangeAspect="1"/>
+          </p:cNvPicPr>
           <p:nvPr/>
-        </p:nvSpPr>
+        </p:nvPicPr>
+        <p:blipFill>
+          <a:blip r:embed="rId5"/>
+          <a:stretch>
+            <a:fillRect/>
+          </a:stretch>
+        </p:blipFill>
         <p:spPr>
           <a:xfrm>
-            <a:off x="1167492" y="1148080"/>
-            <a:ext cx="10643508" cy="680720"/>
+            <a:off x="2029069" y="4600646"/>
+            <a:ext cx="2495062" cy="839177"/>
           </a:xfrm>
           <a:prstGeom prst="rect">
             <a:avLst/>
           </a:prstGeom>
         </p:spPr>
-        <p:txBody>
-          <a:bodyPr vert="horz" lIns="91440" tIns="45720" rIns="91440" bIns="45720" rtlCol="0" anchor="b">
-            <a:noAutofit/>
-          </a:bodyPr>
-          <a:lstStyle>
-            <a:defPPr>
-              <a:defRPr lang="fr-FR"/>
-            </a:defPPr>
-            <a:lvl1pPr algn="l" defTabSz="914400" rtl="0" eaLnBrk="1" latinLnBrk="0" hangingPunct="1">
-              <a:lnSpc>
-                <a:spcPct val="80000"/>
-              </a:lnSpc>
-              <a:spcBef>
-                <a:spcPct val="0"/>
-              </a:spcBef>
-              <a:buNone/>
-              <a:defRPr lang="fr-FR" sz="4200" b="1" kern="1200">
-                <a:solidFill>
-                  <a:schemeClr val="tx1"/>
-                </a:solidFill>
-                <a:latin typeface="+mj-lt"/>
-                <a:ea typeface="+mj-ea"/>
-                <a:cs typeface="+mj-cs"/>
-              </a:defRPr>
-            </a:lvl1pPr>
-          </a:lstStyle>
-          <a:p>
-            <a:r>
-              <a:rPr lang="fr-FR" sz="3500" dirty="0">
-                <a:latin typeface="Arial" panose="020B0604020202020204" pitchFamily="34" charset="0"/>
-                <a:cs typeface="Arial" panose="020B0604020202020204" pitchFamily="34" charset="0"/>
-              </a:rPr>
-              <a:t>Conclusion + Recommandations</a:t>
-            </a:r>
-          </a:p>
-        </p:txBody>
-      </p:sp>
+      </p:pic>
     </p:spTree>
     <p:extLst>
       <p:ext uri="{BB962C8B-B14F-4D97-AF65-F5344CB8AC3E}">
-        <p14:creationId xmlns:p14="http://schemas.microsoft.com/office/powerpoint/2010/main" val="2366471752"/>
+        <p14:creationId xmlns:p14="http://schemas.microsoft.com/office/powerpoint/2010/main" val="2564946476"/>
       </p:ext>
     </p:extLst>
   </p:cSld>
   <p:clrMapOvr>
     <a:masterClrMapping/>
   </p:clrMapOvr>
-  <mc:AlternateContent xmlns:mc="http://schemas.openxmlformats.org/markup-compatibility/2006" xmlns:p14="http://schemas.microsoft.com/office/powerpoint/2010/main">
-    <mc:Choice Requires="p14">
+  <mc:AlternateContent xmlns:mc="http://schemas.openxmlformats.org/markup-compatibility/2006">
+    <mc:Choice xmlns:p14="http://schemas.microsoft.com/office/powerpoint/2010/main" Requires="p14">
       <p:transition spd="slow" p14:dur="2000">
         <p14:reveal/>
       </p:transition>
     </mc:Choice>
-    <mc:Fallback xmlns="">
+    <mc:Fallback>
       <p:transition spd="slow">
         <p:fade/>
       </p:transition>
@@ -13347,7 +13903,7 @@
 </p:sld>
 </file>
 
-<file path=ppt/slides/slide15.xml><?xml version="1.0" encoding="utf-8"?>
+<file path=ppt/slides/slide16.xml><?xml version="1.0" encoding="utf-8"?>
 <p:sld xmlns:a="http://schemas.openxmlformats.org/drawingml/2006/main" xmlns:r="http://schemas.openxmlformats.org/officeDocument/2006/relationships" xmlns:p="http://schemas.openxmlformats.org/presentationml/2006/main">
   <p:cSld>
     <p:spTree>
@@ -13711,6 +14267,95 @@
   <p:cSld>
     <p:spTree>
       <p:nvGrpSpPr>
+        <p:cNvPr id="1" name="">
+          <a:extLst>
+            <a:ext uri="{FF2B5EF4-FFF2-40B4-BE49-F238E27FC236}">
+              <a16:creationId xmlns:a16="http://schemas.microsoft.com/office/drawing/2014/main" id="{E673F1E8-E954-E09D-8D36-6D17E8B7C0C7}"/>
+            </a:ext>
+          </a:extLst>
+        </p:cNvPr>
+        <p:cNvGrpSpPr/>
+        <p:nvPr/>
+      </p:nvGrpSpPr>
+      <p:grpSpPr>
+        <a:xfrm>
+          <a:off x="0" y="0"/>
+          <a:ext cx="0" cy="0"/>
+          <a:chOff x="0" y="0"/>
+          <a:chExt cx="0" cy="0"/>
+        </a:xfrm>
+      </p:grpSpPr>
+      <p:sp>
+        <p:nvSpPr>
+          <p:cNvPr id="2" name="Titre 1">
+            <a:extLst>
+              <a:ext uri="{FF2B5EF4-FFF2-40B4-BE49-F238E27FC236}">
+                <a16:creationId xmlns:a16="http://schemas.microsoft.com/office/drawing/2014/main" id="{12B9CB06-8299-2C3F-15B5-7D63A75418D8}"/>
+              </a:ext>
+            </a:extLst>
+          </p:cNvPr>
+          <p:cNvSpPr>
+            <a:spLocks noGrp="1"/>
+          </p:cNvSpPr>
+          <p:nvPr>
+            <p:ph type="ctrTitle"/>
+          </p:nvPr>
+        </p:nvSpPr>
+        <p:spPr>
+          <a:xfrm>
+            <a:off x="1504952" y="2488329"/>
+            <a:ext cx="4101192" cy="1881342"/>
+          </a:xfrm>
+        </p:spPr>
+        <p:txBody>
+          <a:bodyPr rtlCol="0"/>
+          <a:lstStyle>
+            <a:defPPr>
+              <a:defRPr lang="fr-FR"/>
+            </a:defPPr>
+          </a:lstStyle>
+          <a:p>
+            <a:pPr rtl="0"/>
+            <a:r>
+              <a:rPr lang="fr-FR" dirty="0">
+                <a:latin typeface="Arial" panose="020B0604020202020204" pitchFamily="34" charset="0"/>
+                <a:cs typeface="Arial" panose="020B0604020202020204" pitchFamily="34" charset="0"/>
+              </a:rPr>
+              <a:t>Sélection des actifs</a:t>
+            </a:r>
+          </a:p>
+        </p:txBody>
+      </p:sp>
+    </p:spTree>
+    <p:extLst>
+      <p:ext uri="{BB962C8B-B14F-4D97-AF65-F5344CB8AC3E}">
+        <p14:creationId xmlns:p14="http://schemas.microsoft.com/office/powerpoint/2010/main" val="3153309365"/>
+      </p:ext>
+    </p:extLst>
+  </p:cSld>
+  <p:clrMapOvr>
+    <a:masterClrMapping/>
+  </p:clrMapOvr>
+  <mc:AlternateContent xmlns:mc="http://schemas.openxmlformats.org/markup-compatibility/2006">
+    <mc:Choice xmlns:p14="http://schemas.microsoft.com/office/powerpoint/2010/main" Requires="p14">
+      <p:transition spd="slow" p14:dur="2000">
+        <p14:reveal/>
+      </p:transition>
+    </mc:Choice>
+    <mc:Fallback>
+      <p:transition spd="slow">
+        <p:fade/>
+      </p:transition>
+    </mc:Fallback>
+  </mc:AlternateContent>
+</p:sld>
+</file>
+
+<file path=ppt/slides/slide4.xml><?xml version="1.0" encoding="utf-8"?>
+<p:sld xmlns:a="http://schemas.openxmlformats.org/drawingml/2006/main" xmlns:r="http://schemas.openxmlformats.org/officeDocument/2006/relationships" xmlns:p="http://schemas.openxmlformats.org/presentationml/2006/main">
+  <p:cSld>
+    <p:spTree>
+      <p:nvGrpSpPr>
         <p:cNvPr id="1" name=""/>
         <p:cNvGrpSpPr/>
         <p:nvPr/>
@@ -13995,7 +14640,7 @@
 </p:sld>
 </file>
 
-<file path=ppt/slides/slide4.xml><?xml version="1.0" encoding="utf-8"?>
+<file path=ppt/slides/slide5.xml><?xml version="1.0" encoding="utf-8"?>
 <p:sld xmlns:a="http://schemas.openxmlformats.org/drawingml/2006/main" xmlns:r="http://schemas.openxmlformats.org/officeDocument/2006/relationships" xmlns:p="http://schemas.openxmlformats.org/presentationml/2006/main">
   <p:cSld>
     <p:spTree>
@@ -14132,7 +14777,7 @@
 </p:sld>
 </file>
 
-<file path=ppt/slides/slide5.xml><?xml version="1.0" encoding="utf-8"?>
+<file path=ppt/slides/slide6.xml><?xml version="1.0" encoding="utf-8"?>
 <p:sld xmlns:a="http://schemas.openxmlformats.org/drawingml/2006/main" xmlns:r="http://schemas.openxmlformats.org/officeDocument/2006/relationships" xmlns:p="http://schemas.openxmlformats.org/presentationml/2006/main">
   <p:cSld>
     <p:spTree>
@@ -14263,7 +14908,7 @@
 </p:sld>
 </file>
 
-<file path=ppt/slides/slide6.xml><?xml version="1.0" encoding="utf-8"?>
+<file path=ppt/slides/slide7.xml><?xml version="1.0" encoding="utf-8"?>
 <p:sld xmlns:a="http://schemas.openxmlformats.org/drawingml/2006/main" xmlns:r="http://schemas.openxmlformats.org/officeDocument/2006/relationships" xmlns:p="http://schemas.openxmlformats.org/presentationml/2006/main">
   <p:cSld>
     <p:spTree>
@@ -14387,7 +15032,7 @@
 </p:sld>
 </file>
 
-<file path=ppt/slides/slide7.xml><?xml version="1.0" encoding="utf-8"?>
+<file path=ppt/slides/slide8.xml><?xml version="1.0" encoding="utf-8"?>
 <p:sld xmlns:a="http://schemas.openxmlformats.org/drawingml/2006/main" xmlns:r="http://schemas.openxmlformats.org/officeDocument/2006/relationships" xmlns:p="http://schemas.openxmlformats.org/presentationml/2006/main">
   <p:cSld>
     <p:spTree>
@@ -14518,7 +15163,7 @@
 </p:sld>
 </file>
 
-<file path=ppt/slides/slide8.xml><?xml version="1.0" encoding="utf-8"?>
+<file path=ppt/slides/slide9.xml><?xml version="1.0" encoding="utf-8"?>
 <p:sld xmlns:a="http://schemas.openxmlformats.org/drawingml/2006/main" xmlns:r="http://schemas.openxmlformats.org/officeDocument/2006/relationships" xmlns:p="http://schemas.openxmlformats.org/presentationml/2006/main">
   <p:cSld>
     <p:spTree>
@@ -14629,338 +15274,6 @@
     <p:extLst>
       <p:ext uri="{BB962C8B-B14F-4D97-AF65-F5344CB8AC3E}">
         <p14:creationId xmlns:p14="http://schemas.microsoft.com/office/powerpoint/2010/main" val="853261029"/>
-      </p:ext>
-    </p:extLst>
-  </p:cSld>
-  <p:clrMapOvr>
-    <a:masterClrMapping/>
-  </p:clrMapOvr>
-  <mc:AlternateContent xmlns:mc="http://schemas.openxmlformats.org/markup-compatibility/2006" xmlns:p14="http://schemas.microsoft.com/office/powerpoint/2010/main">
-    <mc:Choice Requires="p14">
-      <p:transition spd="slow" p14:dur="2000">
-        <p14:reveal/>
-      </p:transition>
-    </mc:Choice>
-    <mc:Fallback xmlns="">
-      <p:transition spd="slow">
-        <p:fade/>
-      </p:transition>
-    </mc:Fallback>
-  </mc:AlternateContent>
-</p:sld>
-</file>
-
-<file path=ppt/slides/slide9.xml><?xml version="1.0" encoding="utf-8"?>
-<p:sld xmlns:a="http://schemas.openxmlformats.org/drawingml/2006/main" xmlns:r="http://schemas.openxmlformats.org/officeDocument/2006/relationships" xmlns:p="http://schemas.openxmlformats.org/presentationml/2006/main">
-  <p:cSld>
-    <p:spTree>
-      <p:nvGrpSpPr>
-        <p:cNvPr id="1" name=""/>
-        <p:cNvGrpSpPr/>
-        <p:nvPr/>
-      </p:nvGrpSpPr>
-      <p:grpSpPr>
-        <a:xfrm>
-          <a:off x="0" y="0"/>
-          <a:ext cx="0" cy="0"/>
-          <a:chOff x="0" y="0"/>
-          <a:chExt cx="0" cy="0"/>
-        </a:xfrm>
-      </p:grpSpPr>
-      <p:graphicFrame>
-        <p:nvGraphicFramePr>
-          <p:cNvPr id="6" name="Espace réservé du contenu 5">
-            <a:extLst>
-              <a:ext uri="{FF2B5EF4-FFF2-40B4-BE49-F238E27FC236}">
-                <a16:creationId xmlns:a16="http://schemas.microsoft.com/office/drawing/2014/main" id="{988016A8-17EF-E9AA-4804-F98851C1C690}"/>
-              </a:ext>
-            </a:extLst>
-          </p:cNvPr>
-          <p:cNvGraphicFramePr>
-            <a:graphicFrameLocks noGrp="1"/>
-          </p:cNvGraphicFramePr>
-          <p:nvPr>
-            <p:ph idx="1"/>
-            <p:extLst>
-              <p:ext uri="{D42A27DB-BD31-4B8C-83A1-F6EECF244321}">
-                <p14:modId xmlns:p14="http://schemas.microsoft.com/office/powerpoint/2010/main" val="2973575481"/>
-              </p:ext>
-            </p:extLst>
-          </p:nvPr>
-        </p:nvGraphicFramePr>
-        <p:xfrm>
-          <a:off x="1166813" y="2084388"/>
-          <a:ext cx="9780585" cy="792480"/>
-        </p:xfrm>
-        <a:graphic>
-          <a:graphicData uri="http://schemas.openxmlformats.org/drawingml/2006/table">
-            <a:tbl>
-              <a:tblPr firstRow="1" bandRow="1">
-                <a:tableStyleId>{69012ECD-51FC-41F1-AA8D-1B2483CD663E}</a:tableStyleId>
-              </a:tblPr>
-              <a:tblGrid>
-                <a:gridCol w="3260195">
-                  <a:extLst>
-                    <a:ext uri="{9D8B030D-6E8A-4147-A177-3AD203B41FA5}">
-                      <a16:colId xmlns:a16="http://schemas.microsoft.com/office/drawing/2014/main" val="4137577063"/>
-                    </a:ext>
-                  </a:extLst>
-                </a:gridCol>
-                <a:gridCol w="3260195">
-                  <a:extLst>
-                    <a:ext uri="{9D8B030D-6E8A-4147-A177-3AD203B41FA5}">
-                      <a16:colId xmlns:a16="http://schemas.microsoft.com/office/drawing/2014/main" val="4153120886"/>
-                    </a:ext>
-                  </a:extLst>
-                </a:gridCol>
-                <a:gridCol w="3260195">
-                  <a:extLst>
-                    <a:ext uri="{9D8B030D-6E8A-4147-A177-3AD203B41FA5}">
-                      <a16:colId xmlns:a16="http://schemas.microsoft.com/office/drawing/2014/main" val="1527177611"/>
-                    </a:ext>
-                  </a:extLst>
-                </a:gridCol>
-              </a:tblGrid>
-              <a:tr h="370840">
-                <a:tc>
-                  <a:txBody>
-                    <a:bodyPr/>
-                    <a:lstStyle/>
-                    <a:p>
-                      <a:pPr algn="ctr"/>
-                      <a:r>
-                        <a:rPr lang="fr-FR" sz="2000" dirty="0">
-                          <a:latin typeface="Arial" panose="020B0604020202020204" pitchFamily="34" charset="0"/>
-                          <a:cs typeface="Arial" panose="020B0604020202020204" pitchFamily="34" charset="0"/>
-                        </a:rPr>
-                        <a:t>LVMH</a:t>
-                      </a:r>
-                    </a:p>
-                  </a:txBody>
-                  <a:tcPr/>
-                </a:tc>
-                <a:tc>
-                  <a:txBody>
-                    <a:bodyPr/>
-                    <a:lstStyle/>
-                    <a:p>
-                      <a:pPr algn="ctr"/>
-                      <a:r>
-                        <a:rPr lang="fr-FR" sz="2000">
-                          <a:latin typeface="Arial" panose="020B0604020202020204" pitchFamily="34" charset="0"/>
-                          <a:cs typeface="Arial" panose="020B0604020202020204" pitchFamily="34" charset="0"/>
-                        </a:rPr>
-                        <a:t>HERMES</a:t>
-                      </a:r>
-                    </a:p>
-                  </a:txBody>
-                  <a:tcPr/>
-                </a:tc>
-                <a:tc>
-                  <a:txBody>
-                    <a:bodyPr/>
-                    <a:lstStyle/>
-                    <a:p>
-                      <a:pPr algn="ctr"/>
-                      <a:r>
-                        <a:rPr lang="fr-FR" sz="2000">
-                          <a:latin typeface="Arial" panose="020B0604020202020204" pitchFamily="34" charset="0"/>
-                          <a:cs typeface="Arial" panose="020B0604020202020204" pitchFamily="34" charset="0"/>
-                        </a:rPr>
-                        <a:t>KERING </a:t>
-                      </a:r>
-                    </a:p>
-                  </a:txBody>
-                  <a:tcPr/>
-                </a:tc>
-                <a:extLst>
-                  <a:ext uri="{0D108BD9-81ED-4DB2-BD59-A6C34878D82A}">
-                    <a16:rowId xmlns:a16="http://schemas.microsoft.com/office/drawing/2014/main" val="3250173160"/>
-                  </a:ext>
-                </a:extLst>
-              </a:tr>
-              <a:tr h="370840">
-                <a:tc>
-                  <a:txBody>
-                    <a:bodyPr/>
-                    <a:lstStyle/>
-                    <a:p>
-                      <a:pPr algn="ctr"/>
-                      <a:r>
-                        <a:rPr lang="fr-FR" sz="2000" dirty="0">
-                          <a:latin typeface="Arial" panose="020B0604020202020204" pitchFamily="34" charset="0"/>
-                          <a:cs typeface="Arial" panose="020B0604020202020204" pitchFamily="34" charset="0"/>
-                        </a:rPr>
-                        <a:t>0.355439</a:t>
-                      </a:r>
-                    </a:p>
-                  </a:txBody>
-                  <a:tcPr/>
-                </a:tc>
-                <a:tc>
-                  <a:txBody>
-                    <a:bodyPr/>
-                    <a:lstStyle/>
-                    <a:p>
-                      <a:pPr algn="ctr"/>
-                      <a:r>
-                        <a:rPr lang="fr-FR" sz="2000" b="0" i="0" kern="1200" dirty="0">
-                          <a:solidFill>
-                            <a:schemeClr val="tx1"/>
-                          </a:solidFill>
-                          <a:effectLst/>
-                          <a:latin typeface="Arial" panose="020B0604020202020204" pitchFamily="34" charset="0"/>
-                          <a:ea typeface="+mn-ea"/>
-                          <a:cs typeface="Arial" panose="020B0604020202020204" pitchFamily="34" charset="0"/>
-                        </a:rPr>
-                        <a:t>0.933656</a:t>
-                      </a:r>
-                      <a:endParaRPr lang="fr-FR" sz="2000" dirty="0">
-                        <a:latin typeface="Arial" panose="020B0604020202020204" pitchFamily="34" charset="0"/>
-                        <a:cs typeface="Arial" panose="020B0604020202020204" pitchFamily="34" charset="0"/>
-                      </a:endParaRPr>
-                    </a:p>
-                  </a:txBody>
-                  <a:tcPr/>
-                </a:tc>
-                <a:tc>
-                  <a:txBody>
-                    <a:bodyPr/>
-                    <a:lstStyle/>
-                    <a:p>
-                      <a:pPr algn="ctr"/>
-                      <a:r>
-                        <a:rPr lang="fr-FR" sz="2000" b="0" i="0" kern="1200" dirty="0">
-                          <a:solidFill>
-                            <a:schemeClr val="tx1"/>
-                          </a:solidFill>
-                          <a:effectLst/>
-                          <a:latin typeface="Arial" panose="020B0604020202020204" pitchFamily="34" charset="0"/>
-                          <a:ea typeface="+mn-ea"/>
-                          <a:cs typeface="Arial" panose="020B0604020202020204" pitchFamily="34" charset="0"/>
-                        </a:rPr>
-                        <a:t>-0.431325</a:t>
-                      </a:r>
-                      <a:endParaRPr lang="fr-FR" sz="2400" dirty="0">
-                        <a:latin typeface="Arial" panose="020B0604020202020204" pitchFamily="34" charset="0"/>
-                        <a:cs typeface="Arial" panose="020B0604020202020204" pitchFamily="34" charset="0"/>
-                      </a:endParaRPr>
-                    </a:p>
-                  </a:txBody>
-                  <a:tcPr/>
-                </a:tc>
-                <a:extLst>
-                  <a:ext uri="{0D108BD9-81ED-4DB2-BD59-A6C34878D82A}">
-                    <a16:rowId xmlns:a16="http://schemas.microsoft.com/office/drawing/2014/main" val="3543688353"/>
-                  </a:ext>
-                </a:extLst>
-              </a:tr>
-            </a:tbl>
-          </a:graphicData>
-        </a:graphic>
-      </p:graphicFrame>
-      <p:sp>
-        <p:nvSpPr>
-          <p:cNvPr id="5" name="Titre 1">
-            <a:extLst>
-              <a:ext uri="{FF2B5EF4-FFF2-40B4-BE49-F238E27FC236}">
-                <a16:creationId xmlns:a16="http://schemas.microsoft.com/office/drawing/2014/main" id="{23103DAF-8A98-FA26-922B-07D82A2E8CE2}"/>
-              </a:ext>
-            </a:extLst>
-          </p:cNvPr>
-          <p:cNvSpPr txBox="1">
-            <a:spLocks/>
-          </p:cNvSpPr>
-          <p:nvPr/>
-        </p:nvSpPr>
-        <p:spPr>
-          <a:xfrm>
-            <a:off x="1167492" y="1148080"/>
-            <a:ext cx="10643508" cy="680720"/>
-          </a:xfrm>
-          <a:prstGeom prst="rect">
-            <a:avLst/>
-          </a:prstGeom>
-        </p:spPr>
-        <p:txBody>
-          <a:bodyPr vert="horz" lIns="91440" tIns="45720" rIns="91440" bIns="45720" rtlCol="0" anchor="b">
-            <a:noAutofit/>
-          </a:bodyPr>
-          <a:lstStyle>
-            <a:defPPr>
-              <a:defRPr lang="fr-FR"/>
-            </a:defPPr>
-            <a:lvl1pPr algn="l" defTabSz="914400" rtl="0" eaLnBrk="1" latinLnBrk="0" hangingPunct="1">
-              <a:lnSpc>
-                <a:spcPct val="80000"/>
-              </a:lnSpc>
-              <a:spcBef>
-                <a:spcPct val="0"/>
-              </a:spcBef>
-              <a:buNone/>
-              <a:defRPr lang="fr-FR" sz="4200" b="1" kern="1200">
-                <a:solidFill>
-                  <a:schemeClr val="tx1"/>
-                </a:solidFill>
-                <a:latin typeface="+mj-lt"/>
-                <a:ea typeface="+mj-ea"/>
-                <a:cs typeface="+mj-cs"/>
-              </a:defRPr>
-            </a:lvl1pPr>
-          </a:lstStyle>
-          <a:p>
-            <a:r>
-              <a:rPr lang="fr-FR" sz="3500" dirty="0">
-                <a:latin typeface="Arial" panose="020B0604020202020204" pitchFamily="34" charset="0"/>
-                <a:cs typeface="Arial" panose="020B0604020202020204" pitchFamily="34" charset="0"/>
-              </a:rPr>
-              <a:t>Ratio de Sharpe</a:t>
-            </a:r>
-          </a:p>
-        </p:txBody>
-      </p:sp>
-      <p:sp>
-        <p:nvSpPr>
-          <p:cNvPr id="9" name="ZoneTexte 8">
-            <a:extLst>
-              <a:ext uri="{FF2B5EF4-FFF2-40B4-BE49-F238E27FC236}">
-                <a16:creationId xmlns:a16="http://schemas.microsoft.com/office/drawing/2014/main" id="{8A4E057F-1C19-CFA3-444D-6893E22B9609}"/>
-              </a:ext>
-            </a:extLst>
-          </p:cNvPr>
-          <p:cNvSpPr txBox="1"/>
-          <p:nvPr/>
-        </p:nvSpPr>
-        <p:spPr>
-          <a:xfrm>
-            <a:off x="1166813" y="1628745"/>
-            <a:ext cx="2690608" cy="400110"/>
-          </a:xfrm>
-          <a:prstGeom prst="rect">
-            <a:avLst/>
-          </a:prstGeom>
-          <a:noFill/>
-        </p:spPr>
-        <p:txBody>
-          <a:bodyPr wrap="none" rtlCol="0">
-            <a:spAutoFit/>
-          </a:bodyPr>
-          <a:lstStyle/>
-          <a:p>
-            <a:r>
-              <a:rPr lang="fr-FR" sz="2000" dirty="0">
-                <a:latin typeface="Arial" panose="020B0604020202020204" pitchFamily="34" charset="0"/>
-                <a:cs typeface="Arial" panose="020B0604020202020204" pitchFamily="34" charset="0"/>
-              </a:rPr>
-              <a:t>Taux sans risque : 2%</a:t>
-            </a:r>
-          </a:p>
-        </p:txBody>
-      </p:sp>
-    </p:spTree>
-    <p:extLst>
-      <p:ext uri="{BB962C8B-B14F-4D97-AF65-F5344CB8AC3E}">
-        <p14:creationId xmlns:p14="http://schemas.microsoft.com/office/powerpoint/2010/main" val="1678163377"/>
       </p:ext>
     </p:extLst>
   </p:cSld>
